--- a/docs/source/synthmed_edt.pptx
+++ b/docs/source/synthmed_edt.pptx
@@ -13,6 +13,8 @@
     <p:sldId id="261" r:id="rId7"/>
     <p:sldId id="263" r:id="rId8"/>
     <p:sldId id="264" r:id="rId9"/>
+    <p:sldId id="270" r:id="rId10"/>
+    <p:sldId id="272" r:id="rId11"/>
   </p:sldIdLst>
   <p:sldSz cx="12192000" cy="6858000"/>
   <p:notesSz cx="6858000" cy="9144000"/>
@@ -111,6 +113,11 @@
       </a:defRPr>
     </a:lvl9pPr>
   </p:defaultTextStyle>
+  <p:extLst>
+    <p:ext uri="{EFAFB233-063F-42B5-8137-9DF3F51BA10A}">
+      <p15:sldGuideLst xmlns:p15="http://schemas.microsoft.com/office/powerpoint/2012/main"/>
+    </p:ext>
+  </p:extLst>
 </p:presentation>
 </file>
 
@@ -261,7 +268,7 @@
           <a:p>
             <a:fld id="{399D9FDE-B8FB-9348-A137-E76A3DEA45EB}" type="datetimeFigureOut">
               <a:rPr lang="en-US" smtClean="0"/>
-              <a:t>11/22/25</a:t>
+              <a:t>11/24/25</a:t>
             </a:fld>
             <a:endParaRPr lang="en-US"/>
           </a:p>
@@ -459,7 +466,7 @@
           <a:p>
             <a:fld id="{399D9FDE-B8FB-9348-A137-E76A3DEA45EB}" type="datetimeFigureOut">
               <a:rPr lang="en-US" smtClean="0"/>
-              <a:t>11/22/25</a:t>
+              <a:t>11/24/25</a:t>
             </a:fld>
             <a:endParaRPr lang="en-US"/>
           </a:p>
@@ -667,7 +674,7 @@
           <a:p>
             <a:fld id="{399D9FDE-B8FB-9348-A137-E76A3DEA45EB}" type="datetimeFigureOut">
               <a:rPr lang="en-US" smtClean="0"/>
-              <a:t>11/22/25</a:t>
+              <a:t>11/24/25</a:t>
             </a:fld>
             <a:endParaRPr lang="en-US"/>
           </a:p>
@@ -865,7 +872,7 @@
           <a:p>
             <a:fld id="{399D9FDE-B8FB-9348-A137-E76A3DEA45EB}" type="datetimeFigureOut">
               <a:rPr lang="en-US" smtClean="0"/>
-              <a:t>11/22/25</a:t>
+              <a:t>11/24/25</a:t>
             </a:fld>
             <a:endParaRPr lang="en-US"/>
           </a:p>
@@ -1140,7 +1147,7 @@
           <a:p>
             <a:fld id="{399D9FDE-B8FB-9348-A137-E76A3DEA45EB}" type="datetimeFigureOut">
               <a:rPr lang="en-US" smtClean="0"/>
-              <a:t>11/22/25</a:t>
+              <a:t>11/24/25</a:t>
             </a:fld>
             <a:endParaRPr lang="en-US"/>
           </a:p>
@@ -1405,7 +1412,7 @@
           <a:p>
             <a:fld id="{399D9FDE-B8FB-9348-A137-E76A3DEA45EB}" type="datetimeFigureOut">
               <a:rPr lang="en-US" smtClean="0"/>
-              <a:t>11/22/25</a:t>
+              <a:t>11/24/25</a:t>
             </a:fld>
             <a:endParaRPr lang="en-US"/>
           </a:p>
@@ -1817,7 +1824,7 @@
           <a:p>
             <a:fld id="{399D9FDE-B8FB-9348-A137-E76A3DEA45EB}" type="datetimeFigureOut">
               <a:rPr lang="en-US" smtClean="0"/>
-              <a:t>11/22/25</a:t>
+              <a:t>11/24/25</a:t>
             </a:fld>
             <a:endParaRPr lang="en-US"/>
           </a:p>
@@ -1958,7 +1965,7 @@
           <a:p>
             <a:fld id="{399D9FDE-B8FB-9348-A137-E76A3DEA45EB}" type="datetimeFigureOut">
               <a:rPr lang="en-US" smtClean="0"/>
-              <a:t>11/22/25</a:t>
+              <a:t>11/24/25</a:t>
             </a:fld>
             <a:endParaRPr lang="en-US"/>
           </a:p>
@@ -2071,7 +2078,7 @@
           <a:p>
             <a:fld id="{399D9FDE-B8FB-9348-A137-E76A3DEA45EB}" type="datetimeFigureOut">
               <a:rPr lang="en-US" smtClean="0"/>
-              <a:t>11/22/25</a:t>
+              <a:t>11/24/25</a:t>
             </a:fld>
             <a:endParaRPr lang="en-US"/>
           </a:p>
@@ -2382,7 +2389,7 @@
           <a:p>
             <a:fld id="{399D9FDE-B8FB-9348-A137-E76A3DEA45EB}" type="datetimeFigureOut">
               <a:rPr lang="en-US" smtClean="0"/>
-              <a:t>11/22/25</a:t>
+              <a:t>11/24/25</a:t>
             </a:fld>
             <a:endParaRPr lang="en-US"/>
           </a:p>
@@ -2670,7 +2677,7 @@
           <a:p>
             <a:fld id="{399D9FDE-B8FB-9348-A137-E76A3DEA45EB}" type="datetimeFigureOut">
               <a:rPr lang="en-US" smtClean="0"/>
-              <a:t>11/22/25</a:t>
+              <a:t>11/24/25</a:t>
             </a:fld>
             <a:endParaRPr lang="en-US"/>
           </a:p>
@@ -2911,7 +2918,7 @@
           <a:p>
             <a:fld id="{399D9FDE-B8FB-9348-A137-E76A3DEA45EB}" type="datetimeFigureOut">
               <a:rPr lang="en-US" smtClean="0"/>
-              <a:t>11/22/25</a:t>
+              <a:t>11/24/25</a:t>
             </a:fld>
             <a:endParaRPr lang="en-US"/>
           </a:p>
@@ -3451,6 +3458,138 @@
 </p:sld>
 </file>
 
+<file path=ppt/slides/slide10.xml><?xml version="1.0" encoding="utf-8"?>
+<p:sld xmlns:a="http://schemas.openxmlformats.org/drawingml/2006/main" xmlns:r="http://schemas.openxmlformats.org/officeDocument/2006/relationships" xmlns:p="http://schemas.openxmlformats.org/presentationml/2006/main">
+  <p:cSld>
+    <p:spTree>
+      <p:nvGrpSpPr>
+        <p:cNvPr id="1" name="">
+          <a:extLst>
+            <a:ext uri="{FF2B5EF4-FFF2-40B4-BE49-F238E27FC236}">
+              <a16:creationId xmlns:a16="http://schemas.microsoft.com/office/drawing/2014/main" id="{931B19A9-902B-F244-3416-1E26869057C4}"/>
+            </a:ext>
+          </a:extLst>
+        </p:cNvPr>
+        <p:cNvGrpSpPr/>
+        <p:nvPr/>
+      </p:nvGrpSpPr>
+      <p:grpSpPr>
+        <a:xfrm>
+          <a:off x="0" y="0"/>
+          <a:ext cx="0" cy="0"/>
+          <a:chOff x="0" y="0"/>
+          <a:chExt cx="0" cy="0"/>
+        </a:xfrm>
+      </p:grpSpPr>
+      <p:sp>
+        <p:nvSpPr>
+          <p:cNvPr id="14" name="TextBox 13">
+            <a:extLst>
+              <a:ext uri="{FF2B5EF4-FFF2-40B4-BE49-F238E27FC236}">
+                <a16:creationId xmlns:a16="http://schemas.microsoft.com/office/drawing/2014/main" id="{D1B3F8E0-6A7E-57AC-4FB8-835FC4871CAB}"/>
+              </a:ext>
+            </a:extLst>
+          </p:cNvPr>
+          <p:cNvSpPr txBox="1"/>
+          <p:nvPr/>
+        </p:nvSpPr>
+        <p:spPr>
+          <a:xfrm>
+            <a:off x="3992990" y="180620"/>
+            <a:ext cx="4206018" cy="388568"/>
+          </a:xfrm>
+          <a:prstGeom prst="rect">
+            <a:avLst/>
+          </a:prstGeom>
+          <a:noFill/>
+        </p:spPr>
+        <p:txBody>
+          <a:bodyPr wrap="square">
+            <a:spAutoFit/>
+          </a:bodyPr>
+          <a:lstStyle/>
+          <a:p>
+            <a:pPr marL="30480" marR="0">
+              <a:lnSpc>
+                <a:spcPct val="115000"/>
+              </a:lnSpc>
+              <a:buNone/>
+            </a:pPr>
+            <a:r>
+              <a:rPr lang="en-US" sz="1800" b="1" dirty="0" err="1">
+                <a:solidFill>
+                  <a:srgbClr val="535353"/>
+                </a:solidFill>
+                <a:effectLst/>
+                <a:latin typeface="IBM Plex Sans" panose="020B0503050203000203" pitchFamily="34" charset="0"/>
+                <a:ea typeface="IBM Plex Sans" panose="020B0503050203000203" pitchFamily="34" charset="0"/>
+                <a:cs typeface="IBM Plex Sans" panose="020B0503050203000203" pitchFamily="34" charset="0"/>
+              </a:rPr>
+              <a:t>SynthMed</a:t>
+            </a:r>
+            <a:r>
+              <a:rPr lang="en-US" sz="1800" b="1" dirty="0">
+                <a:solidFill>
+                  <a:srgbClr val="535353"/>
+                </a:solidFill>
+                <a:effectLst/>
+                <a:latin typeface="IBM Plex Sans" panose="020B0503050203000203" pitchFamily="34" charset="0"/>
+                <a:ea typeface="IBM Plex Sans" panose="020B0503050203000203" pitchFamily="34" charset="0"/>
+                <a:cs typeface="IBM Plex Sans" panose="020B0503050203000203" pitchFamily="34" charset="0"/>
+              </a:rPr>
+              <a:t> Research Plan (continued) </a:t>
+            </a:r>
+            <a:endParaRPr lang="en-US" sz="900" dirty="0">
+              <a:effectLst/>
+              <a:latin typeface="Arial" panose="020B0604020202020204" pitchFamily="34" charset="0"/>
+              <a:ea typeface="Arial" panose="020B0604020202020204" pitchFamily="34" charset="0"/>
+            </a:endParaRPr>
+          </a:p>
+        </p:txBody>
+      </p:sp>
+      <p:pic>
+        <p:nvPicPr>
+          <p:cNvPr id="3" name="Picture 2" descr="A document with text on it&#10;&#10;AI-generated content may be incorrect.">
+            <a:extLst>
+              <a:ext uri="{FF2B5EF4-FFF2-40B4-BE49-F238E27FC236}">
+                <a16:creationId xmlns:a16="http://schemas.microsoft.com/office/drawing/2014/main" id="{171D0626-6EBC-D694-2CED-C491C7ACE115}"/>
+              </a:ext>
+            </a:extLst>
+          </p:cNvPr>
+          <p:cNvPicPr>
+            <a:picLocks noChangeAspect="1"/>
+          </p:cNvPicPr>
+          <p:nvPr/>
+        </p:nvPicPr>
+        <p:blipFill>
+          <a:blip r:embed="rId2"/>
+          <a:stretch>
+            <a:fillRect/>
+          </a:stretch>
+        </p:blipFill>
+        <p:spPr>
+          <a:xfrm>
+            <a:off x="3779363" y="653405"/>
+            <a:ext cx="4633273" cy="6023975"/>
+          </a:xfrm>
+          <a:prstGeom prst="rect">
+            <a:avLst/>
+          </a:prstGeom>
+        </p:spPr>
+      </p:pic>
+    </p:spTree>
+    <p:extLst>
+      <p:ext uri="{BB962C8B-B14F-4D97-AF65-F5344CB8AC3E}">
+        <p14:creationId xmlns:p14="http://schemas.microsoft.com/office/powerpoint/2010/main" val="2875039548"/>
+      </p:ext>
+    </p:extLst>
+  </p:cSld>
+  <p:clrMapOvr>
+    <a:masterClrMapping/>
+  </p:clrMapOvr>
+</p:sld>
+</file>
+
 <file path=ppt/slides/slide2.xml><?xml version="1.0" encoding="utf-8"?>
 <p:sld xmlns:a="http://schemas.openxmlformats.org/drawingml/2006/main" xmlns:r="http://schemas.openxmlformats.org/officeDocument/2006/relationships" xmlns:p="http://schemas.openxmlformats.org/presentationml/2006/main">
   <p:cSld>
@@ -3898,6 +4037,132 @@
     <p:extLst>
       <p:ext uri="{BB962C8B-B14F-4D97-AF65-F5344CB8AC3E}">
         <p14:creationId xmlns:p14="http://schemas.microsoft.com/office/powerpoint/2010/main" val="3224641268"/>
+      </p:ext>
+    </p:extLst>
+  </p:cSld>
+  <p:clrMapOvr>
+    <a:masterClrMapping/>
+  </p:clrMapOvr>
+</p:sld>
+</file>
+
+<file path=ppt/slides/slide9.xml><?xml version="1.0" encoding="utf-8"?>
+<p:sld xmlns:a="http://schemas.openxmlformats.org/drawingml/2006/main" xmlns:r="http://schemas.openxmlformats.org/officeDocument/2006/relationships" xmlns:p="http://schemas.openxmlformats.org/presentationml/2006/main">
+  <p:cSld>
+    <p:spTree>
+      <p:nvGrpSpPr>
+        <p:cNvPr id="1" name=""/>
+        <p:cNvGrpSpPr/>
+        <p:nvPr/>
+      </p:nvGrpSpPr>
+      <p:grpSpPr>
+        <a:xfrm>
+          <a:off x="0" y="0"/>
+          <a:ext cx="0" cy="0"/>
+          <a:chOff x="0" y="0"/>
+          <a:chExt cx="0" cy="0"/>
+        </a:xfrm>
+      </p:grpSpPr>
+      <p:pic>
+        <p:nvPicPr>
+          <p:cNvPr id="12" name="Picture 11" descr="A white paper with black text&#10;&#10;AI-generated content may be incorrect.">
+            <a:extLst>
+              <a:ext uri="{FF2B5EF4-FFF2-40B4-BE49-F238E27FC236}">
+                <a16:creationId xmlns:a16="http://schemas.microsoft.com/office/drawing/2014/main" id="{A6934006-8C58-9C04-0DB3-7928A101DD1F}"/>
+              </a:ext>
+            </a:extLst>
+          </p:cNvPr>
+          <p:cNvPicPr>
+            <a:picLocks noChangeAspect="1"/>
+          </p:cNvPicPr>
+          <p:nvPr/>
+        </p:nvPicPr>
+        <p:blipFill>
+          <a:blip r:embed="rId2"/>
+          <a:stretch>
+            <a:fillRect/>
+          </a:stretch>
+        </p:blipFill>
+        <p:spPr>
+          <a:xfrm>
+            <a:off x="2515388" y="607633"/>
+            <a:ext cx="7161223" cy="6106323"/>
+          </a:xfrm>
+          <a:prstGeom prst="rect">
+            <a:avLst/>
+          </a:prstGeom>
+        </p:spPr>
+      </p:pic>
+      <p:sp>
+        <p:nvSpPr>
+          <p:cNvPr id="14" name="TextBox 13">
+            <a:extLst>
+              <a:ext uri="{FF2B5EF4-FFF2-40B4-BE49-F238E27FC236}">
+                <a16:creationId xmlns:a16="http://schemas.microsoft.com/office/drawing/2014/main" id="{3ABE8EB1-306B-3C3F-19DF-754EEE2011A2}"/>
+              </a:ext>
+            </a:extLst>
+          </p:cNvPr>
+          <p:cNvSpPr txBox="1"/>
+          <p:nvPr/>
+        </p:nvSpPr>
+        <p:spPr>
+          <a:xfrm>
+            <a:off x="4493513" y="144044"/>
+            <a:ext cx="3204972" cy="388568"/>
+          </a:xfrm>
+          <a:prstGeom prst="rect">
+            <a:avLst/>
+          </a:prstGeom>
+          <a:noFill/>
+        </p:spPr>
+        <p:txBody>
+          <a:bodyPr wrap="square">
+            <a:spAutoFit/>
+          </a:bodyPr>
+          <a:lstStyle/>
+          <a:p>
+            <a:pPr marL="30480" marR="0">
+              <a:lnSpc>
+                <a:spcPct val="115000"/>
+              </a:lnSpc>
+              <a:buNone/>
+            </a:pPr>
+            <a:r>
+              <a:rPr lang="en-US" sz="1800" b="1" dirty="0" err="1">
+                <a:solidFill>
+                  <a:srgbClr val="535353"/>
+                </a:solidFill>
+                <a:effectLst/>
+                <a:latin typeface="IBM Plex Sans" panose="020B0503050203000203" pitchFamily="34" charset="0"/>
+                <a:ea typeface="IBM Plex Sans" panose="020B0503050203000203" pitchFamily="34" charset="0"/>
+                <a:cs typeface="IBM Plex Sans" panose="020B0503050203000203" pitchFamily="34" charset="0"/>
+              </a:rPr>
+              <a:t>SynthMed</a:t>
+            </a:r>
+            <a:r>
+              <a:rPr lang="en-US" sz="1800" b="1" dirty="0">
+                <a:solidFill>
+                  <a:srgbClr val="535353"/>
+                </a:solidFill>
+                <a:effectLst/>
+                <a:latin typeface="IBM Plex Sans" panose="020B0503050203000203" pitchFamily="34" charset="0"/>
+                <a:ea typeface="IBM Plex Sans" panose="020B0503050203000203" pitchFamily="34" charset="0"/>
+                <a:cs typeface="IBM Plex Sans" panose="020B0503050203000203" pitchFamily="34" charset="0"/>
+              </a:rPr>
+              <a:t> Research Plan </a:t>
+            </a:r>
+            <a:endParaRPr lang="en-US" sz="900" dirty="0">
+              <a:effectLst/>
+              <a:latin typeface="Arial" panose="020B0604020202020204" pitchFamily="34" charset="0"/>
+              <a:ea typeface="Arial" panose="020B0604020202020204" pitchFamily="34" charset="0"/>
+            </a:endParaRPr>
+          </a:p>
+        </p:txBody>
+      </p:sp>
+    </p:spTree>
+    <p:extLst>
+      <p:ext uri="{BB962C8B-B14F-4D97-AF65-F5344CB8AC3E}">
+        <p14:creationId xmlns:p14="http://schemas.microsoft.com/office/powerpoint/2010/main" val="2301780183"/>
       </p:ext>
     </p:extLst>
   </p:cSld>
